--- a/Weather_vs_Crime_john.pptx
+++ b/Weather_vs_Crime_john.pptx
@@ -4255,61 +4255,103 @@
           <a:p>
             <a:r>
               <a:rPr lang="en-US" dirty="0"/>
-              <a:t>The Data: Weather Cleanup</a:t>
-            </a:r>
-          </a:p>
-        </p:txBody>
-      </p:sp>
-      <p:sp>
-        <p:nvSpPr>
-          <p:cNvPr id="6" name="Content Placeholder 5">
-            <a:extLst>
-              <a:ext uri="{FF2B5EF4-FFF2-40B4-BE49-F238E27FC236}">
-                <a16:creationId xmlns:a16="http://schemas.microsoft.com/office/drawing/2014/main" id="{EF17F9A0-68D6-49D5-99F9-D79EA4DE9AA8}"/>
-              </a:ext>
-            </a:extLst>
-          </p:cNvPr>
-          <p:cNvSpPr>
-            <a:spLocks noGrp="1"/>
-          </p:cNvSpPr>
+              <a:t>The Data: Weather Exploration</a:t>
+            </a:r>
+          </a:p>
+        </p:txBody>
+      </p:sp>
+      <p:sp>
+        <p:nvSpPr>
+          <p:cNvPr id="3" name="Text Placeholder 2">
+            <a:extLst>
+              <a:ext uri="{FF2B5EF4-FFF2-40B4-BE49-F238E27FC236}">
+                <a16:creationId xmlns:a16="http://schemas.microsoft.com/office/drawing/2014/main" id="{F2DEEDE5-5314-44F3-910B-4625C22F52B3}"/>
+              </a:ext>
+            </a:extLst>
+          </p:cNvPr>
+          <p:cNvSpPr>
+            <a:spLocks noGrp="1"/>
+          </p:cNvSpPr>
+          <p:nvPr>
+            <p:ph type="body" sz="half" idx="2"/>
+          </p:nvPr>
+        </p:nvSpPr>
+        <p:spPr/>
+        <p:txBody>
+          <a:bodyPr/>
+          <a:lstStyle/>
+          <a:p>
+            <a:pPr algn="ctr"/>
+            <a:endParaRPr lang="en-US" dirty="0"/>
+          </a:p>
+          <a:p>
+            <a:pPr algn="ctr"/>
+            <a:r>
+              <a:rPr lang="en-US" dirty="0"/>
+              <a:t>The Easiest Part!</a:t>
+            </a:r>
+          </a:p>
+          <a:p>
+            <a:pPr algn="ctr"/>
+            <a:endParaRPr lang="en-US" dirty="0"/>
+          </a:p>
+          <a:p>
+            <a:pPr marL="285750" indent="-285750">
+              <a:buFont typeface="Arial" panose="020B0604020202020204" pitchFamily="34" charset="0"/>
+              <a:buChar char="•"/>
+            </a:pPr>
+            <a:r>
+              <a:rPr lang="en-US" dirty="0"/>
+              <a:t>Load in the huge amounts of data</a:t>
+            </a:r>
+          </a:p>
+          <a:p>
+            <a:pPr marL="285750" indent="-285750">
+              <a:buFont typeface="Arial" panose="020B0604020202020204" pitchFamily="34" charset="0"/>
+              <a:buChar char="•"/>
+            </a:pPr>
+            <a:r>
+              <a:rPr lang="en-US" dirty="0"/>
+              <a:t>Extract the data we need</a:t>
+            </a:r>
+          </a:p>
+        </p:txBody>
+      </p:sp>
+      <p:pic>
+        <p:nvPicPr>
+          <p:cNvPr id="12" name="Content Placeholder 11">
+            <a:extLst>
+              <a:ext uri="{FF2B5EF4-FFF2-40B4-BE49-F238E27FC236}">
+                <a16:creationId xmlns:a16="http://schemas.microsoft.com/office/drawing/2014/main" id="{AC83D0E6-CD73-44AB-AAA0-953BA94866CE}"/>
+              </a:ext>
+            </a:extLst>
+          </p:cNvPr>
+          <p:cNvPicPr>
+            <a:picLocks noGrp="1" noChangeAspect="1"/>
+          </p:cNvPicPr>
           <p:nvPr>
             <p:ph idx="1"/>
           </p:nvPr>
-        </p:nvSpPr>
-        <p:spPr/>
-        <p:txBody>
-          <a:bodyPr/>
-          <a:lstStyle/>
-          <a:p>
-            <a:endParaRPr lang="en-US" dirty="0"/>
-          </a:p>
-        </p:txBody>
-      </p:sp>
-      <p:sp>
-        <p:nvSpPr>
-          <p:cNvPr id="3" name="Text Placeholder 2">
-            <a:extLst>
-              <a:ext uri="{FF2B5EF4-FFF2-40B4-BE49-F238E27FC236}">
-                <a16:creationId xmlns:a16="http://schemas.microsoft.com/office/drawing/2014/main" id="{F2DEEDE5-5314-44F3-910B-4625C22F52B3}"/>
-              </a:ext>
-            </a:extLst>
-          </p:cNvPr>
-          <p:cNvSpPr>
-            <a:spLocks noGrp="1"/>
-          </p:cNvSpPr>
-          <p:nvPr>
-            <p:ph type="body" sz="half" idx="2"/>
-          </p:nvPr>
-        </p:nvSpPr>
-        <p:spPr/>
-        <p:txBody>
-          <a:bodyPr/>
-          <a:lstStyle/>
-          <a:p>
-            <a:endParaRPr lang="en-US" dirty="0"/>
-          </a:p>
-        </p:txBody>
-      </p:sp>
+        </p:nvPicPr>
+        <p:blipFill>
+          <a:blip r:embed="rId2">
+            <a:extLst>
+              <a:ext uri="{28A0092B-C50C-407E-A947-70E740481C1C}">
+                <a14:useLocalDpi xmlns:a14="http://schemas.microsoft.com/office/drawing/2010/main" val="0"/>
+              </a:ext>
+            </a:extLst>
+          </a:blip>
+          <a:stretch>
+            <a:fillRect/>
+          </a:stretch>
+        </p:blipFill>
+        <p:spPr>
+          <a:xfrm>
+            <a:off x="4772025" y="858982"/>
+            <a:ext cx="7218218" cy="5777345"/>
+          </a:xfrm>
+        </p:spPr>
+      </p:pic>
     </p:spTree>
     <p:extLst>
       <p:ext uri="{BB962C8B-B14F-4D97-AF65-F5344CB8AC3E}">
@@ -4370,54 +4412,68 @@
       </p:sp>
       <p:sp>
         <p:nvSpPr>
-          <p:cNvPr id="8" name="Content Placeholder 7">
-            <a:extLst>
-              <a:ext uri="{FF2B5EF4-FFF2-40B4-BE49-F238E27FC236}">
-                <a16:creationId xmlns:a16="http://schemas.microsoft.com/office/drawing/2014/main" id="{6B171108-E888-44B3-A10F-8CFF8C051E34}"/>
-              </a:ext>
-            </a:extLst>
-          </p:cNvPr>
-          <p:cNvSpPr>
-            <a:spLocks noGrp="1"/>
-          </p:cNvSpPr>
+          <p:cNvPr id="9" name="Text Placeholder 8">
+            <a:extLst>
+              <a:ext uri="{FF2B5EF4-FFF2-40B4-BE49-F238E27FC236}">
+                <a16:creationId xmlns:a16="http://schemas.microsoft.com/office/drawing/2014/main" id="{2A5DCE34-3430-4E62-8A30-9AE926A8B029}"/>
+              </a:ext>
+            </a:extLst>
+          </p:cNvPr>
+          <p:cNvSpPr>
+            <a:spLocks noGrp="1"/>
+          </p:cNvSpPr>
+          <p:nvPr>
+            <p:ph type="body" sz="half" idx="2"/>
+          </p:nvPr>
+        </p:nvSpPr>
+        <p:spPr/>
+        <p:txBody>
+          <a:bodyPr/>
+          <a:lstStyle/>
+          <a:p>
+            <a:endParaRPr lang="en-US" dirty="0"/>
+          </a:p>
+          <a:p>
+            <a:pPr algn="ctr"/>
+            <a:endParaRPr lang="en-US" dirty="0"/>
+          </a:p>
+        </p:txBody>
+      </p:sp>
+      <p:pic>
+        <p:nvPicPr>
+          <p:cNvPr id="14" name="Content Placeholder 13">
+            <a:extLst>
+              <a:ext uri="{FF2B5EF4-FFF2-40B4-BE49-F238E27FC236}">
+                <a16:creationId xmlns:a16="http://schemas.microsoft.com/office/drawing/2014/main" id="{54C12D38-4A1F-497F-873B-139AB9E747CA}"/>
+              </a:ext>
+            </a:extLst>
+          </p:cNvPr>
+          <p:cNvPicPr>
+            <a:picLocks noGrp="1" noChangeAspect="1"/>
+          </p:cNvPicPr>
           <p:nvPr>
             <p:ph idx="1"/>
           </p:nvPr>
-        </p:nvSpPr>
-        <p:spPr/>
-        <p:txBody>
-          <a:bodyPr/>
-          <a:lstStyle/>
-          <a:p>
-            <a:endParaRPr lang="en-US"/>
-          </a:p>
-        </p:txBody>
-      </p:sp>
-      <p:sp>
-        <p:nvSpPr>
-          <p:cNvPr id="9" name="Text Placeholder 8">
-            <a:extLst>
-              <a:ext uri="{FF2B5EF4-FFF2-40B4-BE49-F238E27FC236}">
-                <a16:creationId xmlns:a16="http://schemas.microsoft.com/office/drawing/2014/main" id="{2A5DCE34-3430-4E62-8A30-9AE926A8B029}"/>
-              </a:ext>
-            </a:extLst>
-          </p:cNvPr>
-          <p:cNvSpPr>
-            <a:spLocks noGrp="1"/>
-          </p:cNvSpPr>
-          <p:nvPr>
-            <p:ph type="body" sz="half" idx="2"/>
-          </p:nvPr>
-        </p:nvSpPr>
-        <p:spPr/>
-        <p:txBody>
-          <a:bodyPr/>
-          <a:lstStyle/>
-          <a:p>
-            <a:endParaRPr lang="en-US" dirty="0"/>
-          </a:p>
-        </p:txBody>
-      </p:sp>
+        </p:nvPicPr>
+        <p:blipFill>
+          <a:blip r:embed="rId2">
+            <a:extLst>
+              <a:ext uri="{28A0092B-C50C-407E-A947-70E740481C1C}">
+                <a14:useLocalDpi xmlns:a14="http://schemas.microsoft.com/office/drawing/2010/main" val="0"/>
+              </a:ext>
+            </a:extLst>
+          </a:blip>
+          <a:stretch>
+            <a:fillRect/>
+          </a:stretch>
+        </p:blipFill>
+        <p:spPr>
+          <a:xfrm>
+            <a:off x="4935537" y="390525"/>
+            <a:ext cx="7034185" cy="6200775"/>
+          </a:xfrm>
+        </p:spPr>
+      </p:pic>
     </p:spTree>
     <p:extLst>
       <p:ext uri="{BB962C8B-B14F-4D97-AF65-F5344CB8AC3E}">
@@ -4478,10 +4534,39 @@
       </p:sp>
       <p:sp>
         <p:nvSpPr>
-          <p:cNvPr id="8" name="Content Placeholder 7">
-            <a:extLst>
-              <a:ext uri="{FF2B5EF4-FFF2-40B4-BE49-F238E27FC236}">
-                <a16:creationId xmlns:a16="http://schemas.microsoft.com/office/drawing/2014/main" id="{6B171108-E888-44B3-A10F-8CFF8C051E34}"/>
+          <p:cNvPr id="9" name="Text Placeholder 8">
+            <a:extLst>
+              <a:ext uri="{FF2B5EF4-FFF2-40B4-BE49-F238E27FC236}">
+                <a16:creationId xmlns:a16="http://schemas.microsoft.com/office/drawing/2014/main" id="{2A5DCE34-3430-4E62-8A30-9AE926A8B029}"/>
+              </a:ext>
+            </a:extLst>
+          </p:cNvPr>
+          <p:cNvSpPr>
+            <a:spLocks noGrp="1"/>
+          </p:cNvSpPr>
+          <p:nvPr>
+            <p:ph type="body" sz="half" idx="2"/>
+          </p:nvPr>
+        </p:nvSpPr>
+        <p:spPr/>
+        <p:txBody>
+          <a:bodyPr/>
+          <a:lstStyle/>
+          <a:p>
+            <a:endParaRPr lang="en-US" dirty="0"/>
+          </a:p>
+          <a:p>
+            <a:pPr algn="ctr"/>
+            <a:endParaRPr lang="en-US" dirty="0"/>
+          </a:p>
+        </p:txBody>
+      </p:sp>
+      <p:sp>
+        <p:nvSpPr>
+          <p:cNvPr id="13" name="Content Placeholder 12">
+            <a:extLst>
+              <a:ext uri="{FF2B5EF4-FFF2-40B4-BE49-F238E27FC236}">
+                <a16:creationId xmlns:a16="http://schemas.microsoft.com/office/drawing/2014/main" id="{47C7916E-558F-4F90-8DBD-B4587FBD07E5}"/>
               </a:ext>
             </a:extLst>
           </p:cNvPr>
@@ -4498,31 +4583,6 @@
           <a:lstStyle/>
           <a:p>
             <a:endParaRPr lang="en-US"/>
-          </a:p>
-        </p:txBody>
-      </p:sp>
-      <p:sp>
-        <p:nvSpPr>
-          <p:cNvPr id="9" name="Text Placeholder 8">
-            <a:extLst>
-              <a:ext uri="{FF2B5EF4-FFF2-40B4-BE49-F238E27FC236}">
-                <a16:creationId xmlns:a16="http://schemas.microsoft.com/office/drawing/2014/main" id="{2A5DCE34-3430-4E62-8A30-9AE926A8B029}"/>
-              </a:ext>
-            </a:extLst>
-          </p:cNvPr>
-          <p:cNvSpPr>
-            <a:spLocks noGrp="1"/>
-          </p:cNvSpPr>
-          <p:nvPr>
-            <p:ph type="body" sz="half" idx="2"/>
-          </p:nvPr>
-        </p:nvSpPr>
-        <p:spPr/>
-        <p:txBody>
-          <a:bodyPr/>
-          <a:lstStyle/>
-          <a:p>
-            <a:endParaRPr lang="en-US" dirty="0"/>
           </a:p>
         </p:txBody>
       </p:sp>

--- a/Weather_vs_Crime_john.pptx
+++ b/Weather_vs_Crime_john.pptx
@@ -4255,7 +4255,14 @@
           <a:p>
             <a:r>
               <a:rPr lang="en-US" dirty="0"/>
-              <a:t>The Data: Weather Exploration</a:t>
+              <a:t>The Data: </a:t>
+            </a:r>
+            <a:br>
+              <a:rPr lang="en-US" dirty="0"/>
+            </a:br>
+            <a:r>
+              <a:rPr lang="en-US" dirty="0"/>
+              <a:t>Crime Exploration</a:t>
             </a:r>
           </a:p>
         </p:txBody>
@@ -4312,7 +4319,7 @@
             </a:pPr>
             <a:r>
               <a:rPr lang="en-US" dirty="0"/>
-              <a:t>Extract the data we need</a:t>
+              <a:t>Extract the general data we need</a:t>
             </a:r>
           </a:p>
         </p:txBody>
@@ -4405,7 +4412,14 @@
           <a:p>
             <a:r>
               <a:rPr lang="en-US" dirty="0"/>
-              <a:t>The Data: Crime Exploration</a:t>
+              <a:t>The Data: </a:t>
+            </a:r>
+            <a:br>
+              <a:rPr lang="en-US" dirty="0"/>
+            </a:br>
+            <a:r>
+              <a:rPr lang="en-US" dirty="0"/>
+              <a:t>Crime Cleanup</a:t>
             </a:r>
           </a:p>
         </p:txBody>
@@ -4434,7 +4448,52 @@
             <a:endParaRPr lang="en-US" dirty="0"/>
           </a:p>
           <a:p>
-            <a:pPr algn="ctr"/>
+            <a:pPr marL="285750" indent="-285750">
+              <a:buFont typeface="Arial" panose="020B0604020202020204" pitchFamily="34" charset="0"/>
+              <a:buChar char="•"/>
+            </a:pPr>
+            <a:r>
+              <a:rPr lang="en-US" dirty="0"/>
+              <a:t>First we pulled the specific crime we wanted to look at and saved the date of each reported incident</a:t>
+            </a:r>
+          </a:p>
+          <a:p>
+            <a:pPr marL="285750" indent="-285750">
+              <a:buFont typeface="Arial" panose="020B0604020202020204" pitchFamily="34" charset="0"/>
+              <a:buChar char="•"/>
+            </a:pPr>
+            <a:r>
+              <a:rPr lang="en-US" dirty="0"/>
+              <a:t>Next we format the date so it can be mergeable with </a:t>
+            </a:r>
+            <a:r>
+              <a:rPr lang="en-US" dirty="0" err="1"/>
+              <a:t>OpenWeatherMap</a:t>
+            </a:r>
+            <a:r>
+              <a:rPr lang="en-US" dirty="0"/>
+              <a:t> data</a:t>
+            </a:r>
+          </a:p>
+          <a:p>
+            <a:pPr marL="285750" indent="-285750">
+              <a:buFont typeface="Arial" panose="020B0604020202020204" pitchFamily="34" charset="0"/>
+              <a:buChar char="•"/>
+            </a:pPr>
+            <a:r>
+              <a:rPr lang="en-US" dirty="0"/>
+              <a:t>Then we sort by date to make </a:t>
+            </a:r>
+            <a:r>
+              <a:rPr lang="en-US"/>
+              <a:t>it easier to look at</a:t>
+            </a:r>
+          </a:p>
+          <a:p>
+            <a:pPr marL="285750" indent="-285750">
+              <a:buFont typeface="Arial" panose="020B0604020202020204" pitchFamily="34" charset="0"/>
+              <a:buChar char="•"/>
+            </a:pPr>
             <a:endParaRPr lang="en-US" dirty="0"/>
           </a:p>
         </p:txBody>

--- a/Weather_vs_Crime_john.pptx
+++ b/Weather_vs_Crime_john.pptx
@@ -265,7 +265,7 @@
           <a:p>
             <a:fld id="{5CE88FEC-8408-4619-B5E6-DA13FC512FFF}" type="datetimeFigureOut">
               <a:rPr lang="en-US" smtClean="0"/>
-              <a:t>4/7/2019</a:t>
+              <a:t>4/8/2019</a:t>
             </a:fld>
             <a:endParaRPr lang="en-US"/>
           </a:p>
@@ -463,7 +463,7 @@
           <a:p>
             <a:fld id="{5CE88FEC-8408-4619-B5E6-DA13FC512FFF}" type="datetimeFigureOut">
               <a:rPr lang="en-US" smtClean="0"/>
-              <a:t>4/7/2019</a:t>
+              <a:t>4/8/2019</a:t>
             </a:fld>
             <a:endParaRPr lang="en-US"/>
           </a:p>
@@ -671,7 +671,7 @@
           <a:p>
             <a:fld id="{5CE88FEC-8408-4619-B5E6-DA13FC512FFF}" type="datetimeFigureOut">
               <a:rPr lang="en-US" smtClean="0"/>
-              <a:t>4/7/2019</a:t>
+              <a:t>4/8/2019</a:t>
             </a:fld>
             <a:endParaRPr lang="en-US"/>
           </a:p>
@@ -869,7 +869,7 @@
           <a:p>
             <a:fld id="{5CE88FEC-8408-4619-B5E6-DA13FC512FFF}" type="datetimeFigureOut">
               <a:rPr lang="en-US" smtClean="0"/>
-              <a:t>4/7/2019</a:t>
+              <a:t>4/8/2019</a:t>
             </a:fld>
             <a:endParaRPr lang="en-US"/>
           </a:p>
@@ -1144,7 +1144,7 @@
           <a:p>
             <a:fld id="{5CE88FEC-8408-4619-B5E6-DA13FC512FFF}" type="datetimeFigureOut">
               <a:rPr lang="en-US" smtClean="0"/>
-              <a:t>4/7/2019</a:t>
+              <a:t>4/8/2019</a:t>
             </a:fld>
             <a:endParaRPr lang="en-US"/>
           </a:p>
@@ -1409,7 +1409,7 @@
           <a:p>
             <a:fld id="{5CE88FEC-8408-4619-B5E6-DA13FC512FFF}" type="datetimeFigureOut">
               <a:rPr lang="en-US" smtClean="0"/>
-              <a:t>4/7/2019</a:t>
+              <a:t>4/8/2019</a:t>
             </a:fld>
             <a:endParaRPr lang="en-US"/>
           </a:p>
@@ -1821,7 +1821,7 @@
           <a:p>
             <a:fld id="{5CE88FEC-8408-4619-B5E6-DA13FC512FFF}" type="datetimeFigureOut">
               <a:rPr lang="en-US" smtClean="0"/>
-              <a:t>4/7/2019</a:t>
+              <a:t>4/8/2019</a:t>
             </a:fld>
             <a:endParaRPr lang="en-US"/>
           </a:p>
@@ -1962,7 +1962,7 @@
           <a:p>
             <a:fld id="{5CE88FEC-8408-4619-B5E6-DA13FC512FFF}" type="datetimeFigureOut">
               <a:rPr lang="en-US" smtClean="0"/>
-              <a:t>4/7/2019</a:t>
+              <a:t>4/8/2019</a:t>
             </a:fld>
             <a:endParaRPr lang="en-US"/>
           </a:p>
@@ -2075,7 +2075,7 @@
           <a:p>
             <a:fld id="{5CE88FEC-8408-4619-B5E6-DA13FC512FFF}" type="datetimeFigureOut">
               <a:rPr lang="en-US" smtClean="0"/>
-              <a:t>4/7/2019</a:t>
+              <a:t>4/8/2019</a:t>
             </a:fld>
             <a:endParaRPr lang="en-US"/>
           </a:p>
@@ -2386,7 +2386,7 @@
           <a:p>
             <a:fld id="{5CE88FEC-8408-4619-B5E6-DA13FC512FFF}" type="datetimeFigureOut">
               <a:rPr lang="en-US" smtClean="0"/>
-              <a:t>4/7/2019</a:t>
+              <a:t>4/8/2019</a:t>
             </a:fld>
             <a:endParaRPr lang="en-US"/>
           </a:p>
@@ -2674,7 +2674,7 @@
           <a:p>
             <a:fld id="{5CE88FEC-8408-4619-B5E6-DA13FC512FFF}" type="datetimeFigureOut">
               <a:rPr lang="en-US" smtClean="0"/>
-              <a:t>4/7/2019</a:t>
+              <a:t>4/8/2019</a:t>
             </a:fld>
             <a:endParaRPr lang="en-US"/>
           </a:p>
@@ -2915,7 +2915,7 @@
           <a:p>
             <a:fld id="{5CE88FEC-8408-4619-B5E6-DA13FC512FFF}" type="datetimeFigureOut">
               <a:rPr lang="en-US" smtClean="0"/>
-              <a:t>4/7/2019</a:t>
+              <a:t>4/8/2019</a:t>
             </a:fld>
             <a:endParaRPr lang="en-US"/>
           </a:p>
@@ -4248,21 +4248,26 @@
             <p:ph type="title"/>
           </p:nvPr>
         </p:nvSpPr>
-        <p:spPr/>
-        <p:txBody>
-          <a:bodyPr/>
-          <a:lstStyle/>
-          <a:p>
-            <a:r>
-              <a:rPr lang="en-US" dirty="0"/>
-              <a:t>The Data: </a:t>
+        <p:spPr>
+          <a:xfrm>
+            <a:off x="152400" y="457200"/>
+            <a:ext cx="4287115" cy="1133404"/>
+          </a:xfrm>
+        </p:spPr>
+        <p:txBody>
+          <a:bodyPr/>
+          <a:lstStyle/>
+          <a:p>
+            <a:r>
+              <a:rPr lang="en-US" b="1" dirty="0"/>
+              <a:t>The Data:</a:t>
             </a:r>
             <a:br>
-              <a:rPr lang="en-US" dirty="0"/>
+              <a:rPr lang="en-US" b="1" dirty="0"/>
             </a:br>
             <a:r>
-              <a:rPr lang="en-US" dirty="0"/>
-              <a:t>Crime Exploration</a:t>
+              <a:rPr lang="en-US" b="1" dirty="0"/>
+              <a:t>	Crime Exploration</a:t>
             </a:r>
           </a:p>
         </p:txBody>
@@ -4283,7 +4288,12 @@
             <p:ph type="body" sz="half" idx="2"/>
           </p:nvPr>
         </p:nvSpPr>
-        <p:spPr/>
+        <p:spPr>
+          <a:xfrm>
+            <a:off x="329838" y="1896738"/>
+            <a:ext cx="3932237" cy="2424546"/>
+          </a:xfrm>
+        </p:spPr>
         <p:txBody>
           <a:bodyPr/>
           <a:lstStyle/>
@@ -4326,10 +4336,10 @@
       </p:sp>
       <p:pic>
         <p:nvPicPr>
-          <p:cNvPr id="12" name="Content Placeholder 11">
-            <a:extLst>
-              <a:ext uri="{FF2B5EF4-FFF2-40B4-BE49-F238E27FC236}">
-                <a16:creationId xmlns:a16="http://schemas.microsoft.com/office/drawing/2014/main" id="{AC83D0E6-CD73-44AB-AAA0-953BA94866CE}"/>
+          <p:cNvPr id="7" name="Content Placeholder 6">
+            <a:extLst>
+              <a:ext uri="{FF2B5EF4-FFF2-40B4-BE49-F238E27FC236}">
+                <a16:creationId xmlns:a16="http://schemas.microsoft.com/office/drawing/2014/main" id="{3477568D-50A8-4D9F-9ECA-94295F34AE14}"/>
               </a:ext>
             </a:extLst>
           </p:cNvPr>
@@ -4354,9 +4364,45 @@
         </p:blipFill>
         <p:spPr>
           <a:xfrm>
-            <a:off x="4772025" y="858982"/>
-            <a:ext cx="7218218" cy="5777345"/>
+            <a:off x="4439515" y="439882"/>
+            <a:ext cx="7408043" cy="5805055"/>
           </a:xfrm>
+        </p:spPr>
+      </p:pic>
+      <p:pic>
+        <p:nvPicPr>
+          <p:cNvPr id="9" name="Picture 8">
+            <a:extLst>
+              <a:ext uri="{FF2B5EF4-FFF2-40B4-BE49-F238E27FC236}">
+                <a16:creationId xmlns:a16="http://schemas.microsoft.com/office/drawing/2014/main" id="{0A3B7524-A97B-4747-A0FA-B31CD6D4C1E0}"/>
+              </a:ext>
+            </a:extLst>
+          </p:cNvPr>
+          <p:cNvPicPr>
+            <a:picLocks noChangeAspect="1"/>
+          </p:cNvPicPr>
+          <p:nvPr/>
+        </p:nvPicPr>
+        <p:blipFill>
+          <a:blip r:embed="rId3">
+            <a:extLst>
+              <a:ext uri="{28A0092B-C50C-407E-A947-70E740481C1C}">
+                <a14:useLocalDpi xmlns:a14="http://schemas.microsoft.com/office/drawing/2010/main" val="0"/>
+              </a:ext>
+            </a:extLst>
+          </a:blip>
+          <a:stretch>
+            <a:fillRect/>
+          </a:stretch>
+        </p:blipFill>
+        <p:spPr>
+          <a:xfrm>
+            <a:off x="507277" y="4627418"/>
+            <a:ext cx="7245209" cy="2091242"/>
+          </a:xfrm>
+          <a:prstGeom prst="rect">
+            <a:avLst/>
+          </a:prstGeom>
         </p:spPr>
       </p:pic>
     </p:spTree>
@@ -4405,21 +4451,26 @@
             <p:ph type="title"/>
           </p:nvPr>
         </p:nvSpPr>
-        <p:spPr/>
-        <p:txBody>
-          <a:bodyPr/>
-          <a:lstStyle/>
-          <a:p>
-            <a:r>
-              <a:rPr lang="en-US" dirty="0"/>
+        <p:spPr>
+          <a:xfrm>
+            <a:off x="327170" y="1017443"/>
+            <a:ext cx="3932237" cy="1033030"/>
+          </a:xfrm>
+        </p:spPr>
+        <p:txBody>
+          <a:bodyPr/>
+          <a:lstStyle/>
+          <a:p>
+            <a:r>
+              <a:rPr lang="en-US" b="1" dirty="0"/>
               <a:t>The Data: </a:t>
             </a:r>
             <a:br>
-              <a:rPr lang="en-US" dirty="0"/>
+              <a:rPr lang="en-US" b="1" dirty="0"/>
             </a:br>
             <a:r>
-              <a:rPr lang="en-US" dirty="0"/>
-              <a:t>Crime Cleanup</a:t>
+              <a:rPr lang="en-US" b="1" dirty="0"/>
+              <a:t>	Crime Cleanup</a:t>
             </a:r>
           </a:p>
         </p:txBody>
@@ -4440,9 +4491,16 @@
             <p:ph type="body" sz="half" idx="2"/>
           </p:nvPr>
         </p:nvSpPr>
-        <p:spPr/>
-        <p:txBody>
-          <a:bodyPr/>
+        <p:spPr>
+          <a:xfrm>
+            <a:off x="327170" y="1855642"/>
+            <a:ext cx="3932237" cy="4735657"/>
+          </a:xfrm>
+        </p:spPr>
+        <p:txBody>
+          <a:bodyPr>
+            <a:normAutofit lnSpcReduction="10000"/>
+          </a:bodyPr>
           <a:lstStyle/>
           <a:p>
             <a:endParaRPr lang="en-US" dirty="0"/>
@@ -4464,7 +4522,7 @@
             </a:pPr>
             <a:r>
               <a:rPr lang="en-US" dirty="0"/>
-              <a:t>Next we format the date so it can be mergeable with </a:t>
+              <a:t>Looking ahead, we format the date so it can be mergeable with </a:t>
             </a:r>
             <a:r>
               <a:rPr lang="en-US" dirty="0" err="1"/>
@@ -4482,12 +4540,45 @@
             </a:pPr>
             <a:r>
               <a:rPr lang="en-US" dirty="0"/>
-              <a:t>Then we sort by date to make </a:t>
-            </a:r>
-            <a:r>
-              <a:rPr lang="en-US"/>
-              <a:t>it easier to look at</a:t>
-            </a:r>
+              <a:t>Next we sort by date to make it easier to look at</a:t>
+            </a:r>
+          </a:p>
+          <a:p>
+            <a:pPr marL="285750" indent="-285750">
+              <a:buFont typeface="Arial" panose="020B0604020202020204" pitchFamily="34" charset="0"/>
+              <a:buChar char="•"/>
+            </a:pPr>
+            <a:r>
+              <a:rPr lang="en-US" dirty="0"/>
+              <a:t>Then we value count the dates to get the number of reported incidents per date</a:t>
+            </a:r>
+          </a:p>
+          <a:p>
+            <a:pPr marL="285750" indent="-285750">
+              <a:buFont typeface="Arial" panose="020B0604020202020204" pitchFamily="34" charset="0"/>
+              <a:buChar char="•"/>
+            </a:pPr>
+            <a:r>
+              <a:rPr lang="en-US" dirty="0"/>
+              <a:t>Now we set the Date to be the index and drop any duplicate sets of dates and reported incidents</a:t>
+            </a:r>
+          </a:p>
+          <a:p>
+            <a:pPr marL="285750" indent="-285750">
+              <a:buFont typeface="Arial" panose="020B0604020202020204" pitchFamily="34" charset="0"/>
+              <a:buChar char="•"/>
+            </a:pPr>
+            <a:r>
+              <a:rPr lang="en-US" dirty="0"/>
+              <a:t>Finally we have clean data for each crime for each of the last 5 years. We create all the data for five years into one. Repeat for each specific crime we want to explore.</a:t>
+            </a:r>
+          </a:p>
+          <a:p>
+            <a:pPr marL="285750" indent="-285750">
+              <a:buFont typeface="Arial" panose="020B0604020202020204" pitchFamily="34" charset="0"/>
+              <a:buChar char="•"/>
+            </a:pPr>
+            <a:endParaRPr lang="en-US" dirty="0"/>
           </a:p>
           <a:p>
             <a:pPr marL="285750" indent="-285750">
@@ -4531,6 +4622,42 @@
             <a:off x="4935537" y="390525"/>
             <a:ext cx="7034185" cy="6200775"/>
           </a:xfrm>
+        </p:spPr>
+      </p:pic>
+      <p:pic>
+        <p:nvPicPr>
+          <p:cNvPr id="3" name="Picture 2">
+            <a:extLst>
+              <a:ext uri="{FF2B5EF4-FFF2-40B4-BE49-F238E27FC236}">
+                <a16:creationId xmlns:a16="http://schemas.microsoft.com/office/drawing/2014/main" id="{F2B6D52D-EE0D-4D81-B09F-C3CD23077972}"/>
+              </a:ext>
+            </a:extLst>
+          </p:cNvPr>
+          <p:cNvPicPr>
+            <a:picLocks noChangeAspect="1"/>
+          </p:cNvPicPr>
+          <p:nvPr/>
+        </p:nvPicPr>
+        <p:blipFill>
+          <a:blip r:embed="rId3">
+            <a:extLst>
+              <a:ext uri="{28A0092B-C50C-407E-A947-70E740481C1C}">
+                <a14:useLocalDpi xmlns:a14="http://schemas.microsoft.com/office/drawing/2010/main" val="0"/>
+              </a:ext>
+            </a:extLst>
+          </a:blip>
+          <a:stretch>
+            <a:fillRect/>
+          </a:stretch>
+        </p:blipFill>
+        <p:spPr>
+          <a:xfrm>
+            <a:off x="2293288" y="169285"/>
+            <a:ext cx="2426085" cy="1364673"/>
+          </a:xfrm>
+          <a:prstGeom prst="rect">
+            <a:avLst/>
+          </a:prstGeom>
         </p:spPr>
       </p:pic>
     </p:spTree>
@@ -4579,14 +4706,26 @@
             <p:ph type="title"/>
           </p:nvPr>
         </p:nvSpPr>
-        <p:spPr/>
-        <p:txBody>
-          <a:bodyPr/>
-          <a:lstStyle/>
-          <a:p>
-            <a:r>
-              <a:rPr lang="en-US" dirty="0"/>
-              <a:t>The Data: Crime Cleanup</a:t>
+        <p:spPr>
+          <a:xfrm>
+            <a:off x="110836" y="457200"/>
+            <a:ext cx="4239491" cy="1219200"/>
+          </a:xfrm>
+        </p:spPr>
+        <p:txBody>
+          <a:bodyPr/>
+          <a:lstStyle/>
+          <a:p>
+            <a:r>
+              <a:rPr lang="en-US" b="1" dirty="0"/>
+              <a:t>The Data: </a:t>
+            </a:r>
+            <a:br>
+              <a:rPr lang="en-US" b="1" dirty="0"/>
+            </a:br>
+            <a:r>
+              <a:rPr lang="en-US" b="1" dirty="0"/>
+              <a:t>	Merging Weather</a:t>
             </a:r>
           </a:p>
         </p:txBody>
@@ -4607,7 +4746,12 @@
             <p:ph type="body" sz="half" idx="2"/>
           </p:nvPr>
         </p:nvSpPr>
-        <p:spPr/>
+        <p:spPr>
+          <a:xfrm>
+            <a:off x="110836" y="2015836"/>
+            <a:ext cx="3932237" cy="4745181"/>
+          </a:xfrm>
+        </p:spPr>
         <p:txBody>
           <a:bodyPr/>
           <a:lstStyle/>
@@ -4620,31 +4764,77 @@
           </a:p>
         </p:txBody>
       </p:sp>
-      <p:sp>
-        <p:nvSpPr>
-          <p:cNvPr id="13" name="Content Placeholder 12">
-            <a:extLst>
-              <a:ext uri="{FF2B5EF4-FFF2-40B4-BE49-F238E27FC236}">
-                <a16:creationId xmlns:a16="http://schemas.microsoft.com/office/drawing/2014/main" id="{47C7916E-558F-4F90-8DBD-B4587FBD07E5}"/>
-              </a:ext>
-            </a:extLst>
-          </p:cNvPr>
-          <p:cNvSpPr>
-            <a:spLocks noGrp="1"/>
-          </p:cNvSpPr>
+      <p:pic>
+        <p:nvPicPr>
+          <p:cNvPr id="20" name="Content Placeholder 19">
+            <a:extLst>
+              <a:ext uri="{FF2B5EF4-FFF2-40B4-BE49-F238E27FC236}">
+                <a16:creationId xmlns:a16="http://schemas.microsoft.com/office/drawing/2014/main" id="{9B7E5B89-8343-4B08-8923-A9B26051BF7A}"/>
+              </a:ext>
+            </a:extLst>
+          </p:cNvPr>
+          <p:cNvPicPr>
+            <a:picLocks noGrp="1" noChangeAspect="1"/>
+          </p:cNvPicPr>
           <p:nvPr>
             <p:ph idx="1"/>
           </p:nvPr>
-        </p:nvSpPr>
-        <p:spPr/>
-        <p:txBody>
-          <a:bodyPr/>
-          <a:lstStyle/>
-          <a:p>
-            <a:endParaRPr lang="en-US"/>
-          </a:p>
-        </p:txBody>
-      </p:sp>
+        </p:nvPicPr>
+        <p:blipFill>
+          <a:blip r:embed="rId2">
+            <a:extLst>
+              <a:ext uri="{28A0092B-C50C-407E-A947-70E740481C1C}">
+                <a14:useLocalDpi xmlns:a14="http://schemas.microsoft.com/office/drawing/2010/main" val="0"/>
+              </a:ext>
+            </a:extLst>
+          </a:blip>
+          <a:stretch>
+            <a:fillRect/>
+          </a:stretch>
+        </p:blipFill>
+        <p:spPr>
+          <a:xfrm>
+            <a:off x="4420158" y="457200"/>
+            <a:ext cx="7536826" cy="6118945"/>
+          </a:xfrm>
+        </p:spPr>
+      </p:pic>
+      <p:pic>
+        <p:nvPicPr>
+          <p:cNvPr id="22" name="Picture 21">
+            <a:extLst>
+              <a:ext uri="{FF2B5EF4-FFF2-40B4-BE49-F238E27FC236}">
+                <a16:creationId xmlns:a16="http://schemas.microsoft.com/office/drawing/2014/main" id="{5DE5E06A-11E0-453D-A84D-D6280A2135E2}"/>
+              </a:ext>
+            </a:extLst>
+          </p:cNvPr>
+          <p:cNvPicPr>
+            <a:picLocks noChangeAspect="1"/>
+          </p:cNvPicPr>
+          <p:nvPr/>
+        </p:nvPicPr>
+        <p:blipFill>
+          <a:blip r:embed="rId3">
+            <a:extLst>
+              <a:ext uri="{28A0092B-C50C-407E-A947-70E740481C1C}">
+                <a14:useLocalDpi xmlns:a14="http://schemas.microsoft.com/office/drawing/2010/main" val="0"/>
+              </a:ext>
+            </a:extLst>
+          </a:blip>
+          <a:stretch>
+            <a:fillRect/>
+          </a:stretch>
+        </p:blipFill>
+        <p:spPr>
+          <a:xfrm>
+            <a:off x="4112903" y="0"/>
+            <a:ext cx="3728771" cy="6858000"/>
+          </a:xfrm>
+          <a:prstGeom prst="rect">
+            <a:avLst/>
+          </a:prstGeom>
+        </p:spPr>
+      </p:pic>
     </p:spTree>
     <p:extLst>
       <p:ext uri="{BB962C8B-B14F-4D97-AF65-F5344CB8AC3E}">

--- a/Weather_vs_Crime_john.pptx
+++ b/Weather_vs_Crime_john.pptx
@@ -12,6 +12,7 @@
     <p:sldId id="262" r:id="rId6"/>
     <p:sldId id="261" r:id="rId7"/>
     <p:sldId id="263" r:id="rId8"/>
+    <p:sldId id="264" r:id="rId9"/>
   </p:sldIdLst>
   <p:sldSz cx="12192000" cy="6858000"/>
   <p:notesSz cx="6858000" cy="9144000"/>
@@ -4759,7 +4760,6 @@
             <a:endParaRPr lang="en-US" dirty="0"/>
           </a:p>
           <a:p>
-            <a:pPr algn="ctr"/>
             <a:endParaRPr lang="en-US" dirty="0"/>
           </a:p>
         </p:txBody>
@@ -4835,10 +4835,437 @@
           </a:prstGeom>
         </p:spPr>
       </p:pic>
+      <p:sp>
+        <p:nvSpPr>
+          <p:cNvPr id="3" name="TextBox 2">
+            <a:extLst>
+              <a:ext uri="{FF2B5EF4-FFF2-40B4-BE49-F238E27FC236}">
+                <a16:creationId xmlns:a16="http://schemas.microsoft.com/office/drawing/2014/main" id="{92E407DC-1D82-4769-88A6-2D60E1835E0B}"/>
+              </a:ext>
+            </a:extLst>
+          </p:cNvPr>
+          <p:cNvSpPr txBox="1"/>
+          <p:nvPr/>
+        </p:nvSpPr>
+        <p:spPr>
+          <a:xfrm>
+            <a:off x="110837" y="2133600"/>
+            <a:ext cx="3932236" cy="3293209"/>
+          </a:xfrm>
+          <a:prstGeom prst="rect">
+            <a:avLst/>
+          </a:prstGeom>
+          <a:noFill/>
+        </p:spPr>
+        <p:txBody>
+          <a:bodyPr wrap="square" rtlCol="0">
+            <a:spAutoFit/>
+          </a:bodyPr>
+          <a:lstStyle/>
+          <a:p>
+            <a:pPr marL="285750" indent="-285750">
+              <a:buFont typeface="Arial" panose="020B0604020202020204" pitchFamily="34" charset="0"/>
+              <a:buChar char="•"/>
+            </a:pPr>
+            <a:endParaRPr lang="en-US" sz="1600" dirty="0"/>
+          </a:p>
+          <a:p>
+            <a:pPr marL="285750" indent="-285750">
+              <a:buFont typeface="Arial" panose="020B0604020202020204" pitchFamily="34" charset="0"/>
+              <a:buChar char="•"/>
+            </a:pPr>
+            <a:r>
+              <a:rPr lang="en-US" sz="1600" dirty="0"/>
+              <a:t>We merge the weather file into each crime/year file on date because we can easily filter out any dates without a reported incident for that crime</a:t>
+            </a:r>
+          </a:p>
+          <a:p>
+            <a:pPr marL="285750" indent="-285750">
+              <a:buFont typeface="Arial" panose="020B0604020202020204" pitchFamily="34" charset="0"/>
+              <a:buChar char="•"/>
+            </a:pPr>
+            <a:endParaRPr lang="en-US" sz="1600" dirty="0"/>
+          </a:p>
+          <a:p>
+            <a:pPr marL="285750" indent="-285750">
+              <a:buFont typeface="Arial" panose="020B0604020202020204" pitchFamily="34" charset="0"/>
+              <a:buChar char="•"/>
+            </a:pPr>
+            <a:r>
+              <a:rPr lang="en-US" sz="1600" dirty="0"/>
+              <a:t>We count up all the </a:t>
+            </a:r>
+            <a:r>
+              <a:rPr lang="en-US" sz="1600" dirty="0" err="1"/>
+              <a:t>NaN</a:t>
+            </a:r>
+            <a:r>
+              <a:rPr lang="en-US" sz="1600" dirty="0"/>
+              <a:t> values and record it and then drop all of them</a:t>
+            </a:r>
+          </a:p>
+          <a:p>
+            <a:pPr marL="285750" indent="-285750">
+              <a:buFont typeface="Arial" panose="020B0604020202020204" pitchFamily="34" charset="0"/>
+              <a:buChar char="•"/>
+            </a:pPr>
+            <a:endParaRPr lang="en-US" sz="1600" dirty="0"/>
+          </a:p>
+          <a:p>
+            <a:pPr marL="285750" indent="-285750">
+              <a:buFont typeface="Arial" panose="020B0604020202020204" pitchFamily="34" charset="0"/>
+              <a:buChar char="•"/>
+            </a:pPr>
+            <a:r>
+              <a:rPr lang="en-US" sz="1600" dirty="0"/>
+              <a:t>We reconfigure the Year column into an integer so the years don’t read with a .0 in our visualizations</a:t>
+            </a:r>
+          </a:p>
+          <a:p>
+            <a:pPr marL="285750" indent="-285750">
+              <a:buFont typeface="Arial" panose="020B0604020202020204" pitchFamily="34" charset="0"/>
+              <a:buChar char="•"/>
+            </a:pPr>
+            <a:endParaRPr lang="en-US" sz="1600" dirty="0"/>
+          </a:p>
+        </p:txBody>
+      </p:sp>
     </p:spTree>
     <p:extLst>
       <p:ext uri="{BB962C8B-B14F-4D97-AF65-F5344CB8AC3E}">
         <p14:creationId xmlns:p14="http://schemas.microsoft.com/office/powerpoint/2010/main" val="1010461478"/>
+      </p:ext>
+    </p:extLst>
+  </p:cSld>
+  <p:clrMapOvr>
+    <a:masterClrMapping/>
+  </p:clrMapOvr>
+</p:sld>
+</file>
+
+<file path=ppt/slides/slide8.xml><?xml version="1.0" encoding="utf-8"?>
+<p:sld xmlns:a="http://schemas.openxmlformats.org/drawingml/2006/main" xmlns:r="http://schemas.openxmlformats.org/officeDocument/2006/relationships" xmlns:p="http://schemas.openxmlformats.org/presentationml/2006/main">
+  <p:cSld>
+    <p:spTree>
+      <p:nvGrpSpPr>
+        <p:cNvPr id="1" name=""/>
+        <p:cNvGrpSpPr/>
+        <p:nvPr/>
+      </p:nvGrpSpPr>
+      <p:grpSpPr>
+        <a:xfrm>
+          <a:off x="0" y="0"/>
+          <a:ext cx="0" cy="0"/>
+          <a:chOff x="0" y="0"/>
+          <a:chExt cx="0" cy="0"/>
+        </a:xfrm>
+      </p:grpSpPr>
+      <p:sp>
+        <p:nvSpPr>
+          <p:cNvPr id="2" name="Title 1">
+            <a:extLst>
+              <a:ext uri="{FF2B5EF4-FFF2-40B4-BE49-F238E27FC236}">
+                <a16:creationId xmlns:a16="http://schemas.microsoft.com/office/drawing/2014/main" id="{87EC6C27-80F3-41A2-BDB7-FCB0A6C5159C}"/>
+              </a:ext>
+            </a:extLst>
+          </p:cNvPr>
+          <p:cNvSpPr>
+            <a:spLocks noGrp="1"/>
+          </p:cNvSpPr>
+          <p:nvPr>
+            <p:ph type="title"/>
+          </p:nvPr>
+        </p:nvSpPr>
+        <p:spPr>
+          <a:xfrm>
+            <a:off x="221673" y="457200"/>
+            <a:ext cx="4765963" cy="1219200"/>
+          </a:xfrm>
+        </p:spPr>
+        <p:txBody>
+          <a:bodyPr/>
+          <a:lstStyle/>
+          <a:p>
+            <a:r>
+              <a:rPr lang="en-US" b="1" dirty="0"/>
+              <a:t>The Data:</a:t>
+            </a:r>
+            <a:br>
+              <a:rPr lang="en-US" b="1" dirty="0"/>
+            </a:br>
+            <a:r>
+              <a:rPr lang="en-US" b="1" dirty="0"/>
+              <a:t>	Problems and Insights</a:t>
+            </a:r>
+          </a:p>
+        </p:txBody>
+      </p:sp>
+      <p:sp>
+        <p:nvSpPr>
+          <p:cNvPr id="3" name="Content Placeholder 2">
+            <a:extLst>
+              <a:ext uri="{FF2B5EF4-FFF2-40B4-BE49-F238E27FC236}">
+                <a16:creationId xmlns:a16="http://schemas.microsoft.com/office/drawing/2014/main" id="{E81A5821-1548-4C46-B229-D6CB1A9E358F}"/>
+              </a:ext>
+            </a:extLst>
+          </p:cNvPr>
+          <p:cNvSpPr>
+            <a:spLocks noGrp="1"/>
+          </p:cNvSpPr>
+          <p:nvPr>
+            <p:ph idx="1"/>
+          </p:nvPr>
+        </p:nvSpPr>
+        <p:spPr>
+          <a:xfrm>
+            <a:off x="6096000" y="2078182"/>
+            <a:ext cx="5637211" cy="2466109"/>
+          </a:xfrm>
+        </p:spPr>
+        <p:txBody>
+          <a:bodyPr>
+            <a:normAutofit lnSpcReduction="10000"/>
+          </a:bodyPr>
+          <a:lstStyle/>
+          <a:p>
+            <a:pPr marL="0" indent="0" algn="ctr">
+              <a:buNone/>
+            </a:pPr>
+            <a:endParaRPr lang="en-US" sz="1600" i="1" dirty="0"/>
+          </a:p>
+          <a:p>
+            <a:pPr marL="0" indent="0" algn="ctr">
+              <a:buNone/>
+            </a:pPr>
+            <a:r>
+              <a:rPr lang="en-US" sz="1600" dirty="0"/>
+              <a:t>Insights</a:t>
+            </a:r>
+          </a:p>
+          <a:p>
+            <a:r>
+              <a:rPr lang="en-US" sz="1600" dirty="0"/>
+              <a:t>One insight we had was that there was so much data, we had a lot of visualization and comparison choices that we could choose from</a:t>
+            </a:r>
+          </a:p>
+          <a:p>
+            <a:r>
+              <a:rPr lang="en-US" sz="1600" dirty="0"/>
+              <a:t>Another insight we had was that when people are working on a project together, placement of some code pertaining to make things  visually appealing matters because of the overlap.</a:t>
+            </a:r>
+          </a:p>
+          <a:p>
+            <a:pPr lvl="1"/>
+            <a:r>
+              <a:rPr lang="en-US" sz="1400" dirty="0"/>
+              <a:t>E.g. code taking out .0 from the end of the Year worked better later down the code ladder than where it originally was</a:t>
+            </a:r>
+          </a:p>
+          <a:p>
+            <a:endParaRPr lang="en-US" sz="1600" dirty="0"/>
+          </a:p>
+        </p:txBody>
+      </p:sp>
+      <p:sp>
+        <p:nvSpPr>
+          <p:cNvPr id="4" name="Text Placeholder 3">
+            <a:extLst>
+              <a:ext uri="{FF2B5EF4-FFF2-40B4-BE49-F238E27FC236}">
+                <a16:creationId xmlns:a16="http://schemas.microsoft.com/office/drawing/2014/main" id="{DE9E7986-FDDB-474C-B84A-BB5610955629}"/>
+              </a:ext>
+            </a:extLst>
+          </p:cNvPr>
+          <p:cNvSpPr>
+            <a:spLocks noGrp="1"/>
+          </p:cNvSpPr>
+          <p:nvPr>
+            <p:ph type="body" sz="half" idx="2"/>
+          </p:nvPr>
+        </p:nvSpPr>
+        <p:spPr>
+          <a:xfrm>
+            <a:off x="360217" y="2078182"/>
+            <a:ext cx="5237018" cy="4539240"/>
+          </a:xfrm>
+        </p:spPr>
+        <p:txBody>
+          <a:bodyPr>
+            <a:normAutofit/>
+          </a:bodyPr>
+          <a:lstStyle/>
+          <a:p>
+            <a:pPr algn="ctr"/>
+            <a:r>
+              <a:rPr lang="en-US" dirty="0"/>
+              <a:t>Problems</a:t>
+            </a:r>
+          </a:p>
+          <a:p>
+            <a:pPr marL="285750" indent="-285750">
+              <a:buFont typeface="Arial" panose="020B0604020202020204" pitchFamily="34" charset="0"/>
+              <a:buChar char="•"/>
+            </a:pPr>
+            <a:r>
+              <a:rPr lang="en-US" dirty="0"/>
+              <a:t>Our issues we didn’t foresee during data cleanup mostly had to do with breaking down the data enough to be able to use for visualization. In a plethora of provided data, there are still lots of bridges to be built inbetween them to get seemingly easy information.</a:t>
+            </a:r>
+          </a:p>
+          <a:p>
+            <a:pPr marL="742950" lvl="1" indent="-285750">
+              <a:buFont typeface="Arial" panose="020B0604020202020204" pitchFamily="34" charset="0"/>
+              <a:buChar char="•"/>
+            </a:pPr>
+            <a:r>
+              <a:rPr lang="en-US" dirty="0"/>
+              <a:t>One of the easier examples of this getting the combined number of reported incidents for a specified crime per date</a:t>
+            </a:r>
+          </a:p>
+          <a:p>
+            <a:pPr marL="742950" lvl="1" indent="-285750">
+              <a:buFont typeface="Arial" panose="020B0604020202020204" pitchFamily="34" charset="0"/>
+              <a:buChar char="•"/>
+            </a:pPr>
+            <a:r>
+              <a:rPr lang="en-US" dirty="0"/>
+              <a:t>Another example is breaking down the Date into Month, Day and Year so grouping and visualization wasn’t limited to one specific variable (YYYY/MM/DD)</a:t>
+            </a:r>
+          </a:p>
+          <a:p>
+            <a:pPr marL="742950" lvl="1" indent="-285750">
+              <a:buFont typeface="Arial" panose="020B0604020202020204" pitchFamily="34" charset="0"/>
+              <a:buChar char="•"/>
+            </a:pPr>
+            <a:endParaRPr lang="en-US" dirty="0"/>
+          </a:p>
+          <a:p>
+            <a:pPr marL="285750" indent="-285750">
+              <a:buFont typeface="Arial" panose="020B0604020202020204" pitchFamily="34" charset="0"/>
+              <a:buChar char="•"/>
+            </a:pPr>
+            <a:r>
+              <a:rPr lang="en-US" dirty="0"/>
+              <a:t>Another issue we had was missing data from </a:t>
+            </a:r>
+            <a:r>
+              <a:rPr lang="en-US" dirty="0" err="1"/>
+              <a:t>OpenWeatherMap</a:t>
+            </a:r>
+            <a:endParaRPr lang="en-US" dirty="0"/>
+          </a:p>
+          <a:p>
+            <a:pPr marL="742950" lvl="1" indent="-285750">
+              <a:buFont typeface="Arial" panose="020B0604020202020204" pitchFamily="34" charset="0"/>
+              <a:buChar char="•"/>
+            </a:pPr>
+            <a:r>
+              <a:rPr lang="en-US" dirty="0"/>
+              <a:t>There was a large gap of missing weather data that made us drop all crime incidents between 08-2014 to 06-2015</a:t>
+            </a:r>
+          </a:p>
+        </p:txBody>
+      </p:sp>
+      <p:pic>
+        <p:nvPicPr>
+          <p:cNvPr id="6" name="Picture 5">
+            <a:extLst>
+              <a:ext uri="{FF2B5EF4-FFF2-40B4-BE49-F238E27FC236}">
+                <a16:creationId xmlns:a16="http://schemas.microsoft.com/office/drawing/2014/main" id="{F7905BD5-BC57-4B0A-8D15-5EF62FDC9476}"/>
+              </a:ext>
+            </a:extLst>
+          </p:cNvPr>
+          <p:cNvPicPr>
+            <a:picLocks noChangeAspect="1"/>
+          </p:cNvPicPr>
+          <p:nvPr/>
+        </p:nvPicPr>
+        <p:blipFill>
+          <a:blip r:embed="rId2">
+            <a:extLst>
+              <a:ext uri="{28A0092B-C50C-407E-A947-70E740481C1C}">
+                <a14:useLocalDpi xmlns:a14="http://schemas.microsoft.com/office/drawing/2010/main" val="0"/>
+              </a:ext>
+            </a:extLst>
+          </a:blip>
+          <a:stretch>
+            <a:fillRect/>
+          </a:stretch>
+        </p:blipFill>
+        <p:spPr>
+          <a:xfrm>
+            <a:off x="5597236" y="1"/>
+            <a:ext cx="6135976" cy="2078182"/>
+          </a:xfrm>
+          <a:prstGeom prst="rect">
+            <a:avLst/>
+          </a:prstGeom>
+        </p:spPr>
+      </p:pic>
+      <p:sp>
+        <p:nvSpPr>
+          <p:cNvPr id="7" name="TextBox 6">
+            <a:extLst>
+              <a:ext uri="{FF2B5EF4-FFF2-40B4-BE49-F238E27FC236}">
+                <a16:creationId xmlns:a16="http://schemas.microsoft.com/office/drawing/2014/main" id="{074FDC2A-B5EB-4B8B-9F42-EB80B6D0D17C}"/>
+              </a:ext>
+            </a:extLst>
+          </p:cNvPr>
+          <p:cNvSpPr txBox="1"/>
+          <p:nvPr/>
+        </p:nvSpPr>
+        <p:spPr>
+          <a:xfrm>
+            <a:off x="6096000" y="4689764"/>
+            <a:ext cx="5595644" cy="1538883"/>
+          </a:xfrm>
+          <a:prstGeom prst="rect">
+            <a:avLst/>
+          </a:prstGeom>
+          <a:noFill/>
+        </p:spPr>
+        <p:txBody>
+          <a:bodyPr wrap="square" rtlCol="0">
+            <a:spAutoFit/>
+          </a:bodyPr>
+          <a:lstStyle/>
+          <a:p>
+            <a:pPr algn="ctr"/>
+            <a:r>
+              <a:rPr lang="en-US" sz="1600" dirty="0"/>
+              <a:t>If I had two more weeks…</a:t>
+            </a:r>
+          </a:p>
+          <a:p>
+            <a:pPr algn="ctr"/>
+            <a:endParaRPr lang="en-US" dirty="0"/>
+          </a:p>
+          <a:p>
+            <a:pPr marL="285750" indent="-285750">
+              <a:buFont typeface="Arial" panose="020B0604020202020204" pitchFamily="34" charset="0"/>
+              <a:buChar char="•"/>
+            </a:pPr>
+            <a:r>
+              <a:rPr lang="en-US" sz="1400" dirty="0"/>
+              <a:t>I think if I could research how to manipulate file and variable names, I could probably loop datamining CPD crime based </a:t>
+            </a:r>
+            <a:r>
+              <a:rPr lang="en-US" sz="1400"/>
+              <a:t>on the year of the csv file</a:t>
+            </a:r>
+            <a:endParaRPr lang="en-US" sz="1400" dirty="0"/>
+          </a:p>
+          <a:p>
+            <a:pPr marL="285750" indent="-285750">
+              <a:buFont typeface="Arial" panose="020B0604020202020204" pitchFamily="34" charset="0"/>
+              <a:buChar char="•"/>
+            </a:pPr>
+            <a:endParaRPr lang="en-US" dirty="0"/>
+          </a:p>
+        </p:txBody>
+      </p:sp>
+    </p:spTree>
+    <p:extLst>
+      <p:ext uri="{BB962C8B-B14F-4D97-AF65-F5344CB8AC3E}">
+        <p14:creationId xmlns:p14="http://schemas.microsoft.com/office/powerpoint/2010/main" val="2875973886"/>
       </p:ext>
     </p:extLst>
   </p:cSld>
